--- a/planningrepresentation/planningrepresentation.pptx
+++ b/planningrepresentation/planningrepresentation.pptx
@@ -5,10 +5,10 @@
     <p:sldMasterId id="2147483653" r:id="rId1"/>
   </p:sldMasterIdLst>
   <p:notesMasterIdLst>
-    <p:notesMasterId r:id="rId44"/>
+    <p:notesMasterId r:id="rId45"/>
   </p:notesMasterIdLst>
   <p:handoutMasterIdLst>
-    <p:handoutMasterId r:id="rId45"/>
+    <p:handoutMasterId r:id="rId46"/>
   </p:handoutMasterIdLst>
   <p:sldIdLst>
     <p:sldId id="299" r:id="rId2"/>
@@ -40,19 +40,20 @@
     <p:sldId id="325" r:id="rId28"/>
     <p:sldId id="326" r:id="rId29"/>
     <p:sldId id="327" r:id="rId30"/>
-    <p:sldId id="328" r:id="rId31"/>
-    <p:sldId id="329" r:id="rId32"/>
-    <p:sldId id="330" r:id="rId33"/>
-    <p:sldId id="331" r:id="rId34"/>
-    <p:sldId id="332" r:id="rId35"/>
-    <p:sldId id="334" r:id="rId36"/>
-    <p:sldId id="335" r:id="rId37"/>
-    <p:sldId id="336" r:id="rId38"/>
-    <p:sldId id="337" r:id="rId39"/>
-    <p:sldId id="338" r:id="rId40"/>
-    <p:sldId id="339" r:id="rId41"/>
-    <p:sldId id="340" r:id="rId42"/>
-    <p:sldId id="341" r:id="rId43"/>
+    <p:sldId id="342" r:id="rId31"/>
+    <p:sldId id="328" r:id="rId32"/>
+    <p:sldId id="329" r:id="rId33"/>
+    <p:sldId id="330" r:id="rId34"/>
+    <p:sldId id="331" r:id="rId35"/>
+    <p:sldId id="332" r:id="rId36"/>
+    <p:sldId id="334" r:id="rId37"/>
+    <p:sldId id="335" r:id="rId38"/>
+    <p:sldId id="336" r:id="rId39"/>
+    <p:sldId id="337" r:id="rId40"/>
+    <p:sldId id="338" r:id="rId41"/>
+    <p:sldId id="339" r:id="rId42"/>
+    <p:sldId id="340" r:id="rId43"/>
+    <p:sldId id="341" r:id="rId44"/>
   </p:sldIdLst>
   <p:sldSz cx="9144000" cy="6858000" type="screen4x3"/>
   <p:notesSz cx="6858000" cy="9144000"/>
@@ -608,7 +609,7 @@
               </a14:hiddenFill>
             </a:ext>
             <a:ext uri="{FAA26D3D-D897-4be2-8F04-BA451C77F1D7}">
-              <ma14:placeholderFlag xmlns:ma14="http://schemas.microsoft.com/office/mac/drawingml/2011/main" xmlns="" val="1"/>
+              <ma14:placeholderFlag xmlns="" xmlns:ma14="http://schemas.microsoft.com/office/mac/drawingml/2011/main" val="1"/>
             </a:ext>
           </a:extLst>
         </p:spPr>
@@ -1133,7 +1134,7 @@
               </a14:hiddenLine>
             </a:ext>
             <a:ext uri="{FAA26D3D-D897-4be2-8F04-BA451C77F1D7}">
-              <ma14:placeholderFlag xmlns:ma14="http://schemas.microsoft.com/office/mac/drawingml/2011/main" xmlns="" val="1"/>
+              <ma14:placeholderFlag xmlns="" xmlns:ma14="http://schemas.microsoft.com/office/mac/drawingml/2011/main" val="1"/>
             </a:ext>
           </a:extLst>
         </p:spPr>
@@ -3898,7 +3899,7 @@
       </p:grpSpPr>
       <p:sp>
         <p:nvSpPr>
-          <p:cNvPr id="75778" name="Rectangle 6"/>
+          <p:cNvPr id="73730" name="Rectangle 6"/>
           <p:cNvSpPr>
             <a:spLocks noGrp="1" noChangeArrowheads="1"/>
           </p:cNvSpPr>
@@ -3922,7 +3923,7 @@
       </p:sp>
       <p:sp>
         <p:nvSpPr>
-          <p:cNvPr id="75779" name="Rectangle 7"/>
+          <p:cNvPr id="73731" name="Rectangle 7"/>
           <p:cNvSpPr>
             <a:spLocks noGrp="1" noChangeArrowheads="1"/>
           </p:cNvSpPr>
@@ -3937,7 +3938,7 @@
           <a:bodyPr/>
           <a:lstStyle/>
           <a:p>
-            <a:fld id="{1C7AEAF8-7CC2-9441-A99F-0F8554E5CA2A}" type="slidenum">
+            <a:fld id="{40B6DB98-8C82-E444-89BB-6E20073F5F79}" type="slidenum">
               <a:rPr lang="es-ES_tradnl"/>
               <a:pPr/>
               <a:t>30</a:t>
@@ -3948,7 +3949,7 @@
       </p:sp>
       <p:sp>
         <p:nvSpPr>
-          <p:cNvPr id="75780" name="Rectangle 2"/>
+          <p:cNvPr id="73732" name="Rectangle 2"/>
           <p:cNvSpPr>
             <a:spLocks noGrp="1" noRot="1" noChangeAspect="1" noChangeArrowheads="1" noTextEdit="1"/>
           </p:cNvSpPr>
@@ -3966,7 +3967,7 @@
       </p:sp>
       <p:sp>
         <p:nvSpPr>
-          <p:cNvPr id="75781" name="Rectangle 3"/>
+          <p:cNvPr id="73733" name="Rectangle 3"/>
           <p:cNvSpPr>
             <a:spLocks noGrp="1" noChangeArrowheads="1"/>
           </p:cNvSpPr>
@@ -3993,7 +3994,7 @@
     </p:spTree>
     <p:extLst>
       <p:ext uri="{BB962C8B-B14F-4D97-AF65-F5344CB8AC3E}">
-        <p14:creationId xmlns:p14="http://schemas.microsoft.com/office/powerpoint/2010/main" val="814702096"/>
+        <p14:creationId xmlns:p14="http://schemas.microsoft.com/office/powerpoint/2010/main" val="2936033512"/>
       </p:ext>
     </p:extLst>
   </p:cSld>
@@ -4022,7 +4023,7 @@
       </p:grpSpPr>
       <p:sp>
         <p:nvSpPr>
-          <p:cNvPr id="77826" name="Rectangle 6"/>
+          <p:cNvPr id="75778" name="Rectangle 6"/>
           <p:cNvSpPr>
             <a:spLocks noGrp="1" noChangeArrowheads="1"/>
           </p:cNvSpPr>
@@ -4046,7 +4047,7 @@
       </p:sp>
       <p:sp>
         <p:nvSpPr>
-          <p:cNvPr id="77827" name="Rectangle 7"/>
+          <p:cNvPr id="75779" name="Rectangle 7"/>
           <p:cNvSpPr>
             <a:spLocks noGrp="1" noChangeArrowheads="1"/>
           </p:cNvSpPr>
@@ -4061,7 +4062,7 @@
           <a:bodyPr/>
           <a:lstStyle/>
           <a:p>
-            <a:fld id="{DA022372-5984-8744-8D6A-35F6A37C1BF1}" type="slidenum">
+            <a:fld id="{1C7AEAF8-7CC2-9441-A99F-0F8554E5CA2A}" type="slidenum">
               <a:rPr lang="es-ES_tradnl"/>
               <a:pPr/>
               <a:t>31</a:t>
@@ -4072,7 +4073,7 @@
       </p:sp>
       <p:sp>
         <p:nvSpPr>
-          <p:cNvPr id="77828" name="Rectangle 2"/>
+          <p:cNvPr id="75780" name="Rectangle 2"/>
           <p:cNvSpPr>
             <a:spLocks noGrp="1" noRot="1" noChangeAspect="1" noChangeArrowheads="1" noTextEdit="1"/>
           </p:cNvSpPr>
@@ -4090,7 +4091,7 @@
       </p:sp>
       <p:sp>
         <p:nvSpPr>
-          <p:cNvPr id="77829" name="Rectangle 3"/>
+          <p:cNvPr id="75781" name="Rectangle 3"/>
           <p:cNvSpPr>
             <a:spLocks noGrp="1" noChangeArrowheads="1"/>
           </p:cNvSpPr>
@@ -4117,7 +4118,7 @@
     </p:spTree>
     <p:extLst>
       <p:ext uri="{BB962C8B-B14F-4D97-AF65-F5344CB8AC3E}">
-        <p14:creationId xmlns:p14="http://schemas.microsoft.com/office/powerpoint/2010/main" val="1510629087"/>
+        <p14:creationId xmlns:p14="http://schemas.microsoft.com/office/powerpoint/2010/main" val="814702096"/>
       </p:ext>
     </p:extLst>
   </p:cSld>
@@ -4146,7 +4147,7 @@
       </p:grpSpPr>
       <p:sp>
         <p:nvSpPr>
-          <p:cNvPr id="79874" name="Rectangle 6"/>
+          <p:cNvPr id="77826" name="Rectangle 6"/>
           <p:cNvSpPr>
             <a:spLocks noGrp="1" noChangeArrowheads="1"/>
           </p:cNvSpPr>
@@ -4170,7 +4171,7 @@
       </p:sp>
       <p:sp>
         <p:nvSpPr>
-          <p:cNvPr id="79875" name="Rectangle 7"/>
+          <p:cNvPr id="77827" name="Rectangle 7"/>
           <p:cNvSpPr>
             <a:spLocks noGrp="1" noChangeArrowheads="1"/>
           </p:cNvSpPr>
@@ -4185,7 +4186,7 @@
           <a:bodyPr/>
           <a:lstStyle/>
           <a:p>
-            <a:fld id="{AEDB97C6-4A64-8145-9E36-10A158536BC2}" type="slidenum">
+            <a:fld id="{DA022372-5984-8744-8D6A-35F6A37C1BF1}" type="slidenum">
               <a:rPr lang="es-ES_tradnl"/>
               <a:pPr/>
               <a:t>32</a:t>
@@ -4196,7 +4197,7 @@
       </p:sp>
       <p:sp>
         <p:nvSpPr>
-          <p:cNvPr id="79876" name="Rectangle 2"/>
+          <p:cNvPr id="77828" name="Rectangle 2"/>
           <p:cNvSpPr>
             <a:spLocks noGrp="1" noRot="1" noChangeAspect="1" noChangeArrowheads="1" noTextEdit="1"/>
           </p:cNvSpPr>
@@ -4214,7 +4215,7 @@
       </p:sp>
       <p:sp>
         <p:nvSpPr>
-          <p:cNvPr id="79877" name="Rectangle 3"/>
+          <p:cNvPr id="77829" name="Rectangle 3"/>
           <p:cNvSpPr>
             <a:spLocks noGrp="1" noChangeArrowheads="1"/>
           </p:cNvSpPr>
@@ -4241,7 +4242,7 @@
     </p:spTree>
     <p:extLst>
       <p:ext uri="{BB962C8B-B14F-4D97-AF65-F5344CB8AC3E}">
-        <p14:creationId xmlns:p14="http://schemas.microsoft.com/office/powerpoint/2010/main" val="1736692887"/>
+        <p14:creationId xmlns:p14="http://schemas.microsoft.com/office/powerpoint/2010/main" val="1510629087"/>
       </p:ext>
     </p:extLst>
   </p:cSld>
@@ -4270,7 +4271,7 @@
       </p:grpSpPr>
       <p:sp>
         <p:nvSpPr>
-          <p:cNvPr id="81922" name="Rectangle 6"/>
+          <p:cNvPr id="79874" name="Rectangle 6"/>
           <p:cNvSpPr>
             <a:spLocks noGrp="1" noChangeArrowheads="1"/>
           </p:cNvSpPr>
@@ -4294,7 +4295,7 @@
       </p:sp>
       <p:sp>
         <p:nvSpPr>
-          <p:cNvPr id="81923" name="Rectangle 7"/>
+          <p:cNvPr id="79875" name="Rectangle 7"/>
           <p:cNvSpPr>
             <a:spLocks noGrp="1" noChangeArrowheads="1"/>
           </p:cNvSpPr>
@@ -4309,7 +4310,7 @@
           <a:bodyPr/>
           <a:lstStyle/>
           <a:p>
-            <a:fld id="{060A83D6-68A8-C14D-BAA8-4C79DFCBFB51}" type="slidenum">
+            <a:fld id="{AEDB97C6-4A64-8145-9E36-10A158536BC2}" type="slidenum">
               <a:rPr lang="es-ES_tradnl"/>
               <a:pPr/>
               <a:t>33</a:t>
@@ -4320,7 +4321,7 @@
       </p:sp>
       <p:sp>
         <p:nvSpPr>
-          <p:cNvPr id="81924" name="Rectangle 2"/>
+          <p:cNvPr id="79876" name="Rectangle 2"/>
           <p:cNvSpPr>
             <a:spLocks noGrp="1" noRot="1" noChangeAspect="1" noChangeArrowheads="1" noTextEdit="1"/>
           </p:cNvSpPr>
@@ -4338,7 +4339,7 @@
       </p:sp>
       <p:sp>
         <p:nvSpPr>
-          <p:cNvPr id="81925" name="Rectangle 3"/>
+          <p:cNvPr id="79877" name="Rectangle 3"/>
           <p:cNvSpPr>
             <a:spLocks noGrp="1" noChangeArrowheads="1"/>
           </p:cNvSpPr>
@@ -4365,7 +4366,7 @@
     </p:spTree>
     <p:extLst>
       <p:ext uri="{BB962C8B-B14F-4D97-AF65-F5344CB8AC3E}">
-        <p14:creationId xmlns:p14="http://schemas.microsoft.com/office/powerpoint/2010/main" val="85791436"/>
+        <p14:creationId xmlns:p14="http://schemas.microsoft.com/office/powerpoint/2010/main" val="1736692887"/>
       </p:ext>
     </p:extLst>
   </p:cSld>
@@ -4394,7 +4395,7 @@
       </p:grpSpPr>
       <p:sp>
         <p:nvSpPr>
-          <p:cNvPr id="83970" name="Rectangle 6"/>
+          <p:cNvPr id="81922" name="Rectangle 6"/>
           <p:cNvSpPr>
             <a:spLocks noGrp="1" noChangeArrowheads="1"/>
           </p:cNvSpPr>
@@ -4418,7 +4419,7 @@
       </p:sp>
       <p:sp>
         <p:nvSpPr>
-          <p:cNvPr id="83971" name="Rectangle 7"/>
+          <p:cNvPr id="81923" name="Rectangle 7"/>
           <p:cNvSpPr>
             <a:spLocks noGrp="1" noChangeArrowheads="1"/>
           </p:cNvSpPr>
@@ -4433,7 +4434,7 @@
           <a:bodyPr/>
           <a:lstStyle/>
           <a:p>
-            <a:fld id="{F129C916-C056-434A-A7FE-D94111890847}" type="slidenum">
+            <a:fld id="{060A83D6-68A8-C14D-BAA8-4C79DFCBFB51}" type="slidenum">
               <a:rPr lang="es-ES_tradnl"/>
               <a:pPr/>
               <a:t>34</a:t>
@@ -4444,7 +4445,7 @@
       </p:sp>
       <p:sp>
         <p:nvSpPr>
-          <p:cNvPr id="83972" name="Rectangle 2"/>
+          <p:cNvPr id="81924" name="Rectangle 2"/>
           <p:cNvSpPr>
             <a:spLocks noGrp="1" noRot="1" noChangeAspect="1" noChangeArrowheads="1" noTextEdit="1"/>
           </p:cNvSpPr>
@@ -4462,7 +4463,7 @@
       </p:sp>
       <p:sp>
         <p:nvSpPr>
-          <p:cNvPr id="83973" name="Rectangle 3"/>
+          <p:cNvPr id="81925" name="Rectangle 3"/>
           <p:cNvSpPr>
             <a:spLocks noGrp="1" noChangeArrowheads="1"/>
           </p:cNvSpPr>
@@ -4489,7 +4490,7 @@
     </p:spTree>
     <p:extLst>
       <p:ext uri="{BB962C8B-B14F-4D97-AF65-F5344CB8AC3E}">
-        <p14:creationId xmlns:p14="http://schemas.microsoft.com/office/powerpoint/2010/main" val="1574247259"/>
+        <p14:creationId xmlns:p14="http://schemas.microsoft.com/office/powerpoint/2010/main" val="85791436"/>
       </p:ext>
     </p:extLst>
   </p:cSld>
@@ -4518,7 +4519,7 @@
       </p:grpSpPr>
       <p:sp>
         <p:nvSpPr>
-          <p:cNvPr id="88066" name="Rectangle 6"/>
+          <p:cNvPr id="83970" name="Rectangle 6"/>
           <p:cNvSpPr>
             <a:spLocks noGrp="1" noChangeArrowheads="1"/>
           </p:cNvSpPr>
@@ -4542,7 +4543,7 @@
       </p:sp>
       <p:sp>
         <p:nvSpPr>
-          <p:cNvPr id="88067" name="Rectangle 7"/>
+          <p:cNvPr id="83971" name="Rectangle 7"/>
           <p:cNvSpPr>
             <a:spLocks noGrp="1" noChangeArrowheads="1"/>
           </p:cNvSpPr>
@@ -4557,7 +4558,7 @@
           <a:bodyPr/>
           <a:lstStyle/>
           <a:p>
-            <a:fld id="{1C3485CE-2726-3342-99C1-0065AD348EB0}" type="slidenum">
+            <a:fld id="{F129C916-C056-434A-A7FE-D94111890847}" type="slidenum">
               <a:rPr lang="es-ES_tradnl"/>
               <a:pPr/>
               <a:t>35</a:t>
@@ -4568,7 +4569,7 @@
       </p:sp>
       <p:sp>
         <p:nvSpPr>
-          <p:cNvPr id="88068" name="Rectangle 2"/>
+          <p:cNvPr id="83972" name="Rectangle 2"/>
           <p:cNvSpPr>
             <a:spLocks noGrp="1" noRot="1" noChangeAspect="1" noChangeArrowheads="1" noTextEdit="1"/>
           </p:cNvSpPr>
@@ -4586,7 +4587,7 @@
       </p:sp>
       <p:sp>
         <p:nvSpPr>
-          <p:cNvPr id="88069" name="Rectangle 3"/>
+          <p:cNvPr id="83973" name="Rectangle 3"/>
           <p:cNvSpPr>
             <a:spLocks noGrp="1" noChangeArrowheads="1"/>
           </p:cNvSpPr>
@@ -4613,7 +4614,7 @@
     </p:spTree>
     <p:extLst>
       <p:ext uri="{BB962C8B-B14F-4D97-AF65-F5344CB8AC3E}">
-        <p14:creationId xmlns:p14="http://schemas.microsoft.com/office/powerpoint/2010/main" val="43977111"/>
+        <p14:creationId xmlns:p14="http://schemas.microsoft.com/office/powerpoint/2010/main" val="1574247259"/>
       </p:ext>
     </p:extLst>
   </p:cSld>
@@ -4642,7 +4643,7 @@
       </p:grpSpPr>
       <p:sp>
         <p:nvSpPr>
-          <p:cNvPr id="90114" name="Rectangle 6"/>
+          <p:cNvPr id="88066" name="Rectangle 6"/>
           <p:cNvSpPr>
             <a:spLocks noGrp="1" noChangeArrowheads="1"/>
           </p:cNvSpPr>
@@ -4666,7 +4667,7 @@
       </p:sp>
       <p:sp>
         <p:nvSpPr>
-          <p:cNvPr id="90115" name="Rectangle 7"/>
+          <p:cNvPr id="88067" name="Rectangle 7"/>
           <p:cNvSpPr>
             <a:spLocks noGrp="1" noChangeArrowheads="1"/>
           </p:cNvSpPr>
@@ -4681,7 +4682,7 @@
           <a:bodyPr/>
           <a:lstStyle/>
           <a:p>
-            <a:fld id="{58558C59-F01E-7246-A0A4-2E2AD115C4C1}" type="slidenum">
+            <a:fld id="{1C3485CE-2726-3342-99C1-0065AD348EB0}" type="slidenum">
               <a:rPr lang="es-ES_tradnl"/>
               <a:pPr/>
               <a:t>36</a:t>
@@ -4692,7 +4693,7 @@
       </p:sp>
       <p:sp>
         <p:nvSpPr>
-          <p:cNvPr id="90116" name="Rectangle 2"/>
+          <p:cNvPr id="88068" name="Rectangle 2"/>
           <p:cNvSpPr>
             <a:spLocks noGrp="1" noRot="1" noChangeAspect="1" noChangeArrowheads="1" noTextEdit="1"/>
           </p:cNvSpPr>
@@ -4710,7 +4711,7 @@
       </p:sp>
       <p:sp>
         <p:nvSpPr>
-          <p:cNvPr id="90117" name="Rectangle 3"/>
+          <p:cNvPr id="88069" name="Rectangle 3"/>
           <p:cNvSpPr>
             <a:spLocks noGrp="1" noChangeArrowheads="1"/>
           </p:cNvSpPr>
@@ -4737,7 +4738,7 @@
     </p:spTree>
     <p:extLst>
       <p:ext uri="{BB962C8B-B14F-4D97-AF65-F5344CB8AC3E}">
-        <p14:creationId xmlns:p14="http://schemas.microsoft.com/office/powerpoint/2010/main" val="1953923442"/>
+        <p14:creationId xmlns:p14="http://schemas.microsoft.com/office/powerpoint/2010/main" val="43977111"/>
       </p:ext>
     </p:extLst>
   </p:cSld>
@@ -4766,7 +4767,7 @@
       </p:grpSpPr>
       <p:sp>
         <p:nvSpPr>
-          <p:cNvPr id="92162" name="Rectangle 6"/>
+          <p:cNvPr id="90114" name="Rectangle 6"/>
           <p:cNvSpPr>
             <a:spLocks noGrp="1" noChangeArrowheads="1"/>
           </p:cNvSpPr>
@@ -4790,7 +4791,7 @@
       </p:sp>
       <p:sp>
         <p:nvSpPr>
-          <p:cNvPr id="92163" name="Rectangle 7"/>
+          <p:cNvPr id="90115" name="Rectangle 7"/>
           <p:cNvSpPr>
             <a:spLocks noGrp="1" noChangeArrowheads="1"/>
           </p:cNvSpPr>
@@ -4805,7 +4806,7 @@
           <a:bodyPr/>
           <a:lstStyle/>
           <a:p>
-            <a:fld id="{4CE4CBFD-9414-C64E-9B59-959DFAF41BED}" type="slidenum">
+            <a:fld id="{58558C59-F01E-7246-A0A4-2E2AD115C4C1}" type="slidenum">
               <a:rPr lang="es-ES_tradnl"/>
               <a:pPr/>
               <a:t>37</a:t>
@@ -4816,7 +4817,7 @@
       </p:sp>
       <p:sp>
         <p:nvSpPr>
-          <p:cNvPr id="92164" name="Rectangle 2"/>
+          <p:cNvPr id="90116" name="Rectangle 2"/>
           <p:cNvSpPr>
             <a:spLocks noGrp="1" noRot="1" noChangeAspect="1" noChangeArrowheads="1" noTextEdit="1"/>
           </p:cNvSpPr>
@@ -4834,7 +4835,7 @@
       </p:sp>
       <p:sp>
         <p:nvSpPr>
-          <p:cNvPr id="92165" name="Rectangle 3"/>
+          <p:cNvPr id="90117" name="Rectangle 3"/>
           <p:cNvSpPr>
             <a:spLocks noGrp="1" noChangeArrowheads="1"/>
           </p:cNvSpPr>
@@ -4861,7 +4862,7 @@
     </p:spTree>
     <p:extLst>
       <p:ext uri="{BB962C8B-B14F-4D97-AF65-F5344CB8AC3E}">
-        <p14:creationId xmlns:p14="http://schemas.microsoft.com/office/powerpoint/2010/main" val="1635871809"/>
+        <p14:creationId xmlns:p14="http://schemas.microsoft.com/office/powerpoint/2010/main" val="1953923442"/>
       </p:ext>
     </p:extLst>
   </p:cSld>
@@ -4890,7 +4891,7 @@
       </p:grpSpPr>
       <p:sp>
         <p:nvSpPr>
-          <p:cNvPr id="94210" name="Rectangle 6"/>
+          <p:cNvPr id="92162" name="Rectangle 6"/>
           <p:cNvSpPr>
             <a:spLocks noGrp="1" noChangeArrowheads="1"/>
           </p:cNvSpPr>
@@ -4914,7 +4915,7 @@
       </p:sp>
       <p:sp>
         <p:nvSpPr>
-          <p:cNvPr id="94211" name="Rectangle 7"/>
+          <p:cNvPr id="92163" name="Rectangle 7"/>
           <p:cNvSpPr>
             <a:spLocks noGrp="1" noChangeArrowheads="1"/>
           </p:cNvSpPr>
@@ -4929,7 +4930,7 @@
           <a:bodyPr/>
           <a:lstStyle/>
           <a:p>
-            <a:fld id="{4BA1972B-C554-D947-9BA8-437AA8FBAF93}" type="slidenum">
+            <a:fld id="{4CE4CBFD-9414-C64E-9B59-959DFAF41BED}" type="slidenum">
               <a:rPr lang="es-ES_tradnl"/>
               <a:pPr/>
               <a:t>38</a:t>
@@ -4940,7 +4941,7 @@
       </p:sp>
       <p:sp>
         <p:nvSpPr>
-          <p:cNvPr id="94212" name="Rectangle 2"/>
+          <p:cNvPr id="92164" name="Rectangle 2"/>
           <p:cNvSpPr>
             <a:spLocks noGrp="1" noRot="1" noChangeAspect="1" noChangeArrowheads="1" noTextEdit="1"/>
           </p:cNvSpPr>
@@ -4958,7 +4959,7 @@
       </p:sp>
       <p:sp>
         <p:nvSpPr>
-          <p:cNvPr id="94213" name="Rectangle 3"/>
+          <p:cNvPr id="92165" name="Rectangle 3"/>
           <p:cNvSpPr>
             <a:spLocks noGrp="1" noChangeArrowheads="1"/>
           </p:cNvSpPr>
@@ -4985,7 +4986,7 @@
     </p:spTree>
     <p:extLst>
       <p:ext uri="{BB962C8B-B14F-4D97-AF65-F5344CB8AC3E}">
-        <p14:creationId xmlns:p14="http://schemas.microsoft.com/office/powerpoint/2010/main" val="948371968"/>
+        <p14:creationId xmlns:p14="http://schemas.microsoft.com/office/powerpoint/2010/main" val="1635871809"/>
       </p:ext>
     </p:extLst>
   </p:cSld>
@@ -5014,7 +5015,7 @@
       </p:grpSpPr>
       <p:sp>
         <p:nvSpPr>
-          <p:cNvPr id="96258" name="Rectangle 6"/>
+          <p:cNvPr id="94210" name="Rectangle 6"/>
           <p:cNvSpPr>
             <a:spLocks noGrp="1" noChangeArrowheads="1"/>
           </p:cNvSpPr>
@@ -5038,7 +5039,7 @@
       </p:sp>
       <p:sp>
         <p:nvSpPr>
-          <p:cNvPr id="96259" name="Rectangle 7"/>
+          <p:cNvPr id="94211" name="Rectangle 7"/>
           <p:cNvSpPr>
             <a:spLocks noGrp="1" noChangeArrowheads="1"/>
           </p:cNvSpPr>
@@ -5053,7 +5054,7 @@
           <a:bodyPr/>
           <a:lstStyle/>
           <a:p>
-            <a:fld id="{1B7D73A2-3CC6-5541-8821-EBE57C76D4C1}" type="slidenum">
+            <a:fld id="{4BA1972B-C554-D947-9BA8-437AA8FBAF93}" type="slidenum">
               <a:rPr lang="es-ES_tradnl"/>
               <a:pPr/>
               <a:t>39</a:t>
@@ -5064,7 +5065,7 @@
       </p:sp>
       <p:sp>
         <p:nvSpPr>
-          <p:cNvPr id="96260" name="Rectangle 2"/>
+          <p:cNvPr id="94212" name="Rectangle 2"/>
           <p:cNvSpPr>
             <a:spLocks noGrp="1" noRot="1" noChangeAspect="1" noChangeArrowheads="1" noTextEdit="1"/>
           </p:cNvSpPr>
@@ -5082,7 +5083,7 @@
       </p:sp>
       <p:sp>
         <p:nvSpPr>
-          <p:cNvPr id="96261" name="Rectangle 3"/>
+          <p:cNvPr id="94213" name="Rectangle 3"/>
           <p:cNvSpPr>
             <a:spLocks noGrp="1" noChangeArrowheads="1"/>
           </p:cNvSpPr>
@@ -5109,7 +5110,7 @@
     </p:spTree>
     <p:extLst>
       <p:ext uri="{BB962C8B-B14F-4D97-AF65-F5344CB8AC3E}">
-        <p14:creationId xmlns:p14="http://schemas.microsoft.com/office/powerpoint/2010/main" val="16539135"/>
+        <p14:creationId xmlns:p14="http://schemas.microsoft.com/office/powerpoint/2010/main" val="948371968"/>
       </p:ext>
     </p:extLst>
   </p:cSld>
@@ -5262,7 +5263,7 @@
       </p:grpSpPr>
       <p:sp>
         <p:nvSpPr>
-          <p:cNvPr id="98306" name="Rectangle 6"/>
+          <p:cNvPr id="96258" name="Rectangle 6"/>
           <p:cNvSpPr>
             <a:spLocks noGrp="1" noChangeArrowheads="1"/>
           </p:cNvSpPr>
@@ -5286,7 +5287,7 @@
       </p:sp>
       <p:sp>
         <p:nvSpPr>
-          <p:cNvPr id="98307" name="Rectangle 7"/>
+          <p:cNvPr id="96259" name="Rectangle 7"/>
           <p:cNvSpPr>
             <a:spLocks noGrp="1" noChangeArrowheads="1"/>
           </p:cNvSpPr>
@@ -5301,7 +5302,7 @@
           <a:bodyPr/>
           <a:lstStyle/>
           <a:p>
-            <a:fld id="{14AB5151-C1B4-F544-9CBF-20672E97FB98}" type="slidenum">
+            <a:fld id="{1B7D73A2-3CC6-5541-8821-EBE57C76D4C1}" type="slidenum">
               <a:rPr lang="es-ES_tradnl"/>
               <a:pPr/>
               <a:t>40</a:t>
@@ -5312,7 +5313,7 @@
       </p:sp>
       <p:sp>
         <p:nvSpPr>
-          <p:cNvPr id="98308" name="Rectangle 2"/>
+          <p:cNvPr id="96260" name="Rectangle 2"/>
           <p:cNvSpPr>
             <a:spLocks noGrp="1" noRot="1" noChangeAspect="1" noChangeArrowheads="1" noTextEdit="1"/>
           </p:cNvSpPr>
@@ -5330,7 +5331,7 @@
       </p:sp>
       <p:sp>
         <p:nvSpPr>
-          <p:cNvPr id="98309" name="Rectangle 3"/>
+          <p:cNvPr id="96261" name="Rectangle 3"/>
           <p:cNvSpPr>
             <a:spLocks noGrp="1" noChangeArrowheads="1"/>
           </p:cNvSpPr>
@@ -5357,7 +5358,7 @@
     </p:spTree>
     <p:extLst>
       <p:ext uri="{BB962C8B-B14F-4D97-AF65-F5344CB8AC3E}">
-        <p14:creationId xmlns:p14="http://schemas.microsoft.com/office/powerpoint/2010/main" val="506164528"/>
+        <p14:creationId xmlns:p14="http://schemas.microsoft.com/office/powerpoint/2010/main" val="16539135"/>
       </p:ext>
     </p:extLst>
   </p:cSld>
@@ -5386,7 +5387,7 @@
       </p:grpSpPr>
       <p:sp>
         <p:nvSpPr>
-          <p:cNvPr id="18434" name="Rectangle 6"/>
+          <p:cNvPr id="98306" name="Rectangle 6"/>
           <p:cNvSpPr>
             <a:spLocks noGrp="1" noChangeArrowheads="1"/>
           </p:cNvSpPr>
@@ -5410,7 +5411,7 @@
       </p:sp>
       <p:sp>
         <p:nvSpPr>
-          <p:cNvPr id="18435" name="Rectangle 7"/>
+          <p:cNvPr id="98307" name="Rectangle 7"/>
           <p:cNvSpPr>
             <a:spLocks noGrp="1" noChangeArrowheads="1"/>
           </p:cNvSpPr>
@@ -5425,7 +5426,7 @@
           <a:bodyPr/>
           <a:lstStyle/>
           <a:p>
-            <a:fld id="{0496C2D8-2336-1347-987D-A59CD35F1C5E}" type="slidenum">
+            <a:fld id="{14AB5151-C1B4-F544-9CBF-20672E97FB98}" type="slidenum">
               <a:rPr lang="es-ES_tradnl"/>
               <a:pPr/>
               <a:t>41</a:t>
@@ -5436,7 +5437,7 @@
       </p:sp>
       <p:sp>
         <p:nvSpPr>
-          <p:cNvPr id="18436" name="Rectangle 2"/>
+          <p:cNvPr id="98308" name="Rectangle 2"/>
           <p:cNvSpPr>
             <a:spLocks noGrp="1" noRot="1" noChangeAspect="1" noChangeArrowheads="1" noTextEdit="1"/>
           </p:cNvSpPr>
@@ -5454,7 +5455,7 @@
       </p:sp>
       <p:sp>
         <p:nvSpPr>
-          <p:cNvPr id="18437" name="Rectangle 3"/>
+          <p:cNvPr id="98309" name="Rectangle 3"/>
           <p:cNvSpPr>
             <a:spLocks noGrp="1" noChangeArrowheads="1"/>
           </p:cNvSpPr>
@@ -5464,8 +5465,8 @@
         </p:nvSpPr>
         <p:spPr>
           <a:xfrm>
-            <a:off x="1023938" y="3371850"/>
-            <a:ext cx="8186737" cy="3195638"/>
+            <a:off x="1365250" y="3371850"/>
+            <a:ext cx="7504113" cy="3195638"/>
           </a:xfrm>
           <a:noFill/>
           <a:ln/>
@@ -5474,14 +5475,14 @@
           <a:bodyPr/>
           <a:lstStyle/>
           <a:p>
-            <a:endParaRPr lang="en-GB"/>
+            <a:endParaRPr lang="en-CA"/>
           </a:p>
         </p:txBody>
       </p:sp>
     </p:spTree>
     <p:extLst>
       <p:ext uri="{BB962C8B-B14F-4D97-AF65-F5344CB8AC3E}">
-        <p14:creationId xmlns:p14="http://schemas.microsoft.com/office/powerpoint/2010/main" val="965615458"/>
+        <p14:creationId xmlns:p14="http://schemas.microsoft.com/office/powerpoint/2010/main" val="506164528"/>
       </p:ext>
     </p:extLst>
   </p:cSld>
@@ -5510,6 +5511,130 @@
       </p:grpSpPr>
       <p:sp>
         <p:nvSpPr>
+          <p:cNvPr id="18434" name="Rectangle 6"/>
+          <p:cNvSpPr>
+            <a:spLocks noGrp="1" noChangeArrowheads="1"/>
+          </p:cNvSpPr>
+          <p:nvPr>
+            <p:ph type="ftr" sz="quarter" idx="4"/>
+          </p:nvPr>
+        </p:nvSpPr>
+        <p:spPr>
+          <a:noFill/>
+        </p:spPr>
+        <p:txBody>
+          <a:bodyPr/>
+          <a:lstStyle/>
+          <a:p>
+            <a:r>
+              <a:rPr lang="es-ES_tradnl"/>
+              <a:t>Universidad Autónoma de Madrid</a:t>
+            </a:r>
+          </a:p>
+        </p:txBody>
+      </p:sp>
+      <p:sp>
+        <p:nvSpPr>
+          <p:cNvPr id="18435" name="Rectangle 7"/>
+          <p:cNvSpPr>
+            <a:spLocks noGrp="1" noChangeArrowheads="1"/>
+          </p:cNvSpPr>
+          <p:nvPr>
+            <p:ph type="sldNum" sz="quarter" idx="5"/>
+          </p:nvPr>
+        </p:nvSpPr>
+        <p:spPr>
+          <a:noFill/>
+        </p:spPr>
+        <p:txBody>
+          <a:bodyPr/>
+          <a:lstStyle/>
+          <a:p>
+            <a:fld id="{0496C2D8-2336-1347-987D-A59CD35F1C5E}" type="slidenum">
+              <a:rPr lang="es-ES_tradnl"/>
+              <a:pPr/>
+              <a:t>42</a:t>
+            </a:fld>
+            <a:endParaRPr lang="es-ES_tradnl"/>
+          </a:p>
+        </p:txBody>
+      </p:sp>
+      <p:sp>
+        <p:nvSpPr>
+          <p:cNvPr id="18436" name="Rectangle 2"/>
+          <p:cNvSpPr>
+            <a:spLocks noGrp="1" noRot="1" noChangeAspect="1" noChangeArrowheads="1" noTextEdit="1"/>
+          </p:cNvSpPr>
+          <p:nvPr>
+            <p:ph type="sldImg"/>
+          </p:nvPr>
+        </p:nvSpPr>
+        <p:spPr>
+          <a:xfrm>
+            <a:off x="3343275" y="531813"/>
+            <a:ext cx="3549650" cy="2662237"/>
+          </a:xfrm>
+          <a:ln/>
+        </p:spPr>
+      </p:sp>
+      <p:sp>
+        <p:nvSpPr>
+          <p:cNvPr id="18437" name="Rectangle 3"/>
+          <p:cNvSpPr>
+            <a:spLocks noGrp="1" noChangeArrowheads="1"/>
+          </p:cNvSpPr>
+          <p:nvPr>
+            <p:ph type="body" idx="1"/>
+          </p:nvPr>
+        </p:nvSpPr>
+        <p:spPr>
+          <a:xfrm>
+            <a:off x="1023938" y="3371850"/>
+            <a:ext cx="8186737" cy="3195638"/>
+          </a:xfrm>
+          <a:noFill/>
+          <a:ln/>
+        </p:spPr>
+        <p:txBody>
+          <a:bodyPr/>
+          <a:lstStyle/>
+          <a:p>
+            <a:endParaRPr lang="en-GB"/>
+          </a:p>
+        </p:txBody>
+      </p:sp>
+    </p:spTree>
+    <p:extLst>
+      <p:ext uri="{BB962C8B-B14F-4D97-AF65-F5344CB8AC3E}">
+        <p14:creationId xmlns:p14="http://schemas.microsoft.com/office/powerpoint/2010/main" val="965615458"/>
+      </p:ext>
+    </p:extLst>
+  </p:cSld>
+  <p:clrMapOvr>
+    <a:masterClrMapping/>
+  </p:clrMapOvr>
+</p:notes>
+</file>
+
+<file path=ppt/notesSlides/notesSlide43.xml><?xml version="1.0" encoding="utf-8"?>
+<p:notes xmlns:a="http://schemas.openxmlformats.org/drawingml/2006/main" xmlns:r="http://schemas.openxmlformats.org/officeDocument/2006/relationships" xmlns:p="http://schemas.openxmlformats.org/presentationml/2006/main">
+  <p:cSld>
+    <p:spTree>
+      <p:nvGrpSpPr>
+        <p:cNvPr id="1" name=""/>
+        <p:cNvGrpSpPr/>
+        <p:nvPr/>
+      </p:nvGrpSpPr>
+      <p:grpSpPr>
+        <a:xfrm>
+          <a:off x="0" y="0"/>
+          <a:ext cx="0" cy="0"/>
+          <a:chOff x="0" y="0"/>
+          <a:chExt cx="0" cy="0"/>
+        </a:xfrm>
+      </p:grpSpPr>
+      <p:sp>
+        <p:nvSpPr>
           <p:cNvPr id="102402" name="Rectangle 6"/>
           <p:cNvSpPr>
             <a:spLocks noGrp="1" noChangeArrowheads="1"/>
@@ -5552,7 +5677,7 @@
             <a:fld id="{35E1C908-B8CD-5543-9853-3C5BAEB25A46}" type="slidenum">
               <a:rPr lang="es-ES_tradnl"/>
               <a:pPr/>
-              <a:t>42</a:t>
+              <a:t>43</a:t>
             </a:fld>
             <a:endParaRPr lang="es-ES_tradnl"/>
           </a:p>
@@ -8618,7 +8743,7 @@
               </a14:hiddenLine>
             </a:ext>
             <a:ext uri="{FAA26D3D-D897-4be2-8F04-BA451C77F1D7}">
-              <ma14:placeholderFlag xmlns:ma14="http://schemas.microsoft.com/office/mac/drawingml/2011/main" xmlns="" val="1"/>
+              <ma14:placeholderFlag xmlns="" xmlns:ma14="http://schemas.microsoft.com/office/mac/drawingml/2011/main" val="1"/>
             </a:ext>
           </a:extLst>
         </p:spPr>
@@ -8679,7 +8804,7 @@
               </a14:hiddenLine>
             </a:ext>
             <a:ext uri="{FAA26D3D-D897-4be2-8F04-BA451C77F1D7}">
-              <ma14:placeholderFlag xmlns:ma14="http://schemas.microsoft.com/office/mac/drawingml/2011/main" xmlns="" val="1"/>
+              <ma14:placeholderFlag xmlns="" xmlns:ma14="http://schemas.microsoft.com/office/mac/drawingml/2011/main" val="1"/>
             </a:ext>
           </a:extLst>
         </p:spPr>
@@ -15201,7 +15326,7 @@
           <a:graphicData uri="http://schemas.openxmlformats.org/presentationml/2006/ole">
             <mc:AlternateContent xmlns:mc="http://schemas.openxmlformats.org/markup-compatibility/2006">
               <mc:Choice xmlns:v="urn:schemas-microsoft-com:vml" Requires="v">
-                <p:oleObj spid="_x0000_s1030" name="Bitmap Image" r:id="rId4" imgW="7535327" imgH="1695687" progId="">
+                <p:oleObj spid="_x0000_s1031" name="Bitmap Image" r:id="rId4" imgW="7535327" imgH="1695687" progId="">
                   <p:embed/>
                 </p:oleObj>
               </mc:Choice>
@@ -15244,14 +15369,14 @@
                       <a:effectLst/>
                       <a:extLst>
                         <a:ext uri="{909E8E84-426E-40dd-AFC4-6F175D3DCCD1}">
-                          <a14:hiddenFill xmlns:a14="http://schemas.microsoft.com/office/drawing/2010/main" xmlns="">
+                          <a14:hiddenFill xmlns="" xmlns:a14="http://schemas.microsoft.com/office/drawing/2010/main">
                             <a:solidFill>
                               <a:schemeClr val="accent1"/>
                             </a:solidFill>
                           </a14:hiddenFill>
                         </a:ext>
                         <a:ext uri="{91240B29-F687-4f45-9708-019B960494DF}">
-                          <a14:hiddenLine xmlns:a14="http://schemas.microsoft.com/office/drawing/2010/main" xmlns="" w="9525">
+                          <a14:hiddenLine xmlns="" xmlns:a14="http://schemas.microsoft.com/office/drawing/2010/main" w="9525">
                             <a:solidFill>
                               <a:schemeClr val="tx1"/>
                             </a:solidFill>
@@ -15261,7 +15386,7 @@
                           </a14:hiddenLine>
                         </a:ext>
                         <a:ext uri="{AF507438-7753-43e0-B8FC-AC1667EBCBE1}">
-                          <a14:hiddenEffects xmlns:a14="http://schemas.microsoft.com/office/drawing/2010/main" xmlns="">
+                          <a14:hiddenEffects xmlns="" xmlns:a14="http://schemas.microsoft.com/office/drawing/2010/main">
                             <a:effectLst>
                               <a:outerShdw blurRad="63500" dist="38099" dir="2700000" algn="ctr" rotWithShape="0">
                                 <a:schemeClr val="bg2">
@@ -15413,6 +15538,130 @@
 </file>
 
 <file path=ppt/slides/slide30.xml><?xml version="1.0" encoding="utf-8"?>
+<p:sld xmlns:a="http://schemas.openxmlformats.org/drawingml/2006/main" xmlns:r="http://schemas.openxmlformats.org/officeDocument/2006/relationships" xmlns:p="http://schemas.openxmlformats.org/presentationml/2006/main">
+  <p:cSld>
+    <p:spTree>
+      <p:nvGrpSpPr>
+        <p:cNvPr id="1" name=""/>
+        <p:cNvGrpSpPr/>
+        <p:nvPr/>
+      </p:nvGrpSpPr>
+      <p:grpSpPr>
+        <a:xfrm>
+          <a:off x="0" y="0"/>
+          <a:ext cx="0" cy="0"/>
+          <a:chOff x="0" y="0"/>
+          <a:chExt cx="0" cy="0"/>
+        </a:xfrm>
+      </p:grpSpPr>
+      <p:sp>
+        <p:nvSpPr>
+          <p:cNvPr id="72707" name="Rectangle 2"/>
+          <p:cNvSpPr>
+            <a:spLocks noGrp="1" noChangeArrowheads="1"/>
+          </p:cNvSpPr>
+          <p:nvPr>
+            <p:ph type="title"/>
+          </p:nvPr>
+        </p:nvSpPr>
+        <p:spPr/>
+        <p:txBody>
+          <a:bodyPr/>
+          <a:lstStyle/>
+          <a:p>
+            <a:r>
+              <a:rPr lang="es-ES_tradnl" dirty="0"/>
+              <a:t>PDDL </a:t>
+            </a:r>
+            <a:r>
+              <a:rPr lang="es-ES_tradnl" dirty="0" err="1"/>
+              <a:t>versions</a:t>
+            </a:r>
+            <a:endParaRPr lang="es-ES_tradnl" dirty="0"/>
+          </a:p>
+        </p:txBody>
+      </p:sp>
+      <p:sp>
+        <p:nvSpPr>
+          <p:cNvPr id="3" name="Marcador de contenido 2">
+            <a:extLst>
+              <a:ext uri="{FF2B5EF4-FFF2-40B4-BE49-F238E27FC236}">
+                <a16:creationId xmlns:a16="http://schemas.microsoft.com/office/drawing/2014/main" id="{18D299A8-42BA-3049-AD3C-C2AE4D9650EB}"/>
+              </a:ext>
+            </a:extLst>
+          </p:cNvPr>
+          <p:cNvSpPr>
+            <a:spLocks noGrp="1"/>
+          </p:cNvSpPr>
+          <p:nvPr>
+            <p:ph idx="1"/>
+          </p:nvPr>
+        </p:nvSpPr>
+        <p:spPr>
+          <a:xfrm>
+            <a:off x="683568" y="1268760"/>
+            <a:ext cx="8001000" cy="4824536"/>
+          </a:xfrm>
+        </p:spPr>
+        <p:txBody>
+          <a:bodyPr/>
+          <a:lstStyle/>
+          <a:p>
+            <a:r>
+              <a:rPr lang="es-ES" sz="2800" dirty="0" err="1"/>
+              <a:t>We</a:t>
+            </a:r>
+            <a:r>
+              <a:rPr lang="es-ES" sz="2800" dirty="0"/>
+              <a:t> </a:t>
+            </a:r>
+            <a:r>
+              <a:rPr lang="es-ES" sz="2800" dirty="0" err="1"/>
+              <a:t>will</a:t>
+            </a:r>
+            <a:r>
+              <a:rPr lang="es-ES" sz="2800" dirty="0"/>
+              <a:t> </a:t>
+            </a:r>
+            <a:r>
+              <a:rPr lang="es-ES" sz="2800" dirty="0" err="1"/>
+              <a:t>study</a:t>
+            </a:r>
+            <a:r>
+              <a:rPr lang="es-ES" sz="2800" dirty="0"/>
+              <a:t>:</a:t>
+            </a:r>
+          </a:p>
+          <a:p>
+            <a:pPr lvl="1"/>
+            <a:r>
+              <a:rPr lang="es-ES" sz="2400" dirty="0"/>
+              <a:t>PDDL</a:t>
+            </a:r>
+          </a:p>
+          <a:p>
+            <a:pPr lvl="1"/>
+            <a:r>
+              <a:rPr lang="es-ES" sz="2400" dirty="0"/>
+              <a:t>PDDL 2.X</a:t>
+            </a:r>
+          </a:p>
+        </p:txBody>
+      </p:sp>
+    </p:spTree>
+    <p:extLst>
+      <p:ext uri="{BB962C8B-B14F-4D97-AF65-F5344CB8AC3E}">
+        <p14:creationId xmlns:p14="http://schemas.microsoft.com/office/powerpoint/2010/main" val="1418350829"/>
+      </p:ext>
+    </p:extLst>
+  </p:cSld>
+  <p:clrMapOvr>
+    <a:masterClrMapping/>
+  </p:clrMapOvr>
+</p:sld>
+</file>
+
+<file path=ppt/slides/slide31.xml><?xml version="1.0" encoding="utf-8"?>
 <p:sld xmlns:a="http://schemas.openxmlformats.org/drawingml/2006/main" xmlns:r="http://schemas.openxmlformats.org/officeDocument/2006/relationships" xmlns:p="http://schemas.openxmlformats.org/presentationml/2006/main">
   <p:cSld>
     <p:spTree>
@@ -15529,7 +15778,7 @@
             <a:graphicData uri="http://schemas.openxmlformats.org/presentationml/2006/ole">
               <mc:AlternateContent xmlns:mc="http://schemas.openxmlformats.org/markup-compatibility/2006">
                 <mc:Choice xmlns:v="urn:schemas-microsoft-com:vml" Requires="v">
-                  <p:oleObj spid="_x0000_s225290" name="Bitmap Image" r:id="rId4" imgW="7400000" imgH="2010056" progId="">
+                  <p:oleObj spid="_x0000_s225292" name="Bitmap Image" r:id="rId4" imgW="7400000" imgH="2010056" progId="">
                     <p:embed/>
                   </p:oleObj>
                 </mc:Choice>
@@ -15572,14 +15821,14 @@
                         <a:effectLst/>
                         <a:extLst>
                           <a:ext uri="{909E8E84-426E-40dd-AFC4-6F175D3DCCD1}">
-                            <a14:hiddenFill xmlns:a14="http://schemas.microsoft.com/office/drawing/2010/main" xmlns="">
+                            <a14:hiddenFill xmlns="" xmlns:a14="http://schemas.microsoft.com/office/drawing/2010/main">
                               <a:solidFill>
                                 <a:schemeClr val="accent1"/>
                               </a:solidFill>
                             </a14:hiddenFill>
                           </a:ext>
                           <a:ext uri="{91240B29-F687-4f45-9708-019B960494DF}">
-                            <a14:hiddenLine xmlns:a14="http://schemas.microsoft.com/office/drawing/2010/main" xmlns="" w="9525">
+                            <a14:hiddenLine xmlns="" xmlns:a14="http://schemas.microsoft.com/office/drawing/2010/main" w="9525">
                               <a:solidFill>
                                 <a:schemeClr val="tx1"/>
                               </a:solidFill>
@@ -15589,7 +15838,7 @@
                             </a14:hiddenLine>
                           </a:ext>
                           <a:ext uri="{AF507438-7753-43e0-B8FC-AC1667EBCBE1}">
-                            <a14:hiddenEffects xmlns:a14="http://schemas.microsoft.com/office/drawing/2010/main" xmlns="">
+                            <a14:hiddenEffects xmlns="" xmlns:a14="http://schemas.microsoft.com/office/drawing/2010/main">
                               <a:effectLst>
                                 <a:outerShdw blurRad="63500" dist="38099" dir="2700000" algn="ctr" rotWithShape="0">
                                   <a:schemeClr val="bg2">
@@ -15630,7 +15879,7 @@
             <a:graphicData uri="http://schemas.openxmlformats.org/presentationml/2006/ole">
               <mc:AlternateContent xmlns:mc="http://schemas.openxmlformats.org/markup-compatibility/2006">
                 <mc:Choice xmlns:v="urn:schemas-microsoft-com:vml" Requires="v">
-                  <p:oleObj spid="_x0000_s225291" name="Bitmap Image" r:id="rId6" imgW="7628571" imgH="1314286" progId="">
+                  <p:oleObj spid="_x0000_s225293" name="Bitmap Image" r:id="rId6" imgW="7628571" imgH="1314286" progId="">
                     <p:embed/>
                   </p:oleObj>
                 </mc:Choice>
@@ -15673,14 +15922,14 @@
                         <a:effectLst/>
                         <a:extLst>
                           <a:ext uri="{909E8E84-426E-40dd-AFC4-6F175D3DCCD1}">
-                            <a14:hiddenFill xmlns:a14="http://schemas.microsoft.com/office/drawing/2010/main" xmlns="">
+                            <a14:hiddenFill xmlns="" xmlns:a14="http://schemas.microsoft.com/office/drawing/2010/main">
                               <a:solidFill>
                                 <a:schemeClr val="accent1"/>
                               </a:solidFill>
                             </a14:hiddenFill>
                           </a:ext>
                           <a:ext uri="{91240B29-F687-4f45-9708-019B960494DF}">
-                            <a14:hiddenLine xmlns:a14="http://schemas.microsoft.com/office/drawing/2010/main" xmlns="" w="9525">
+                            <a14:hiddenLine xmlns="" xmlns:a14="http://schemas.microsoft.com/office/drawing/2010/main" w="9525">
                               <a:solidFill>
                                 <a:schemeClr val="tx1"/>
                               </a:solidFill>
@@ -15690,7 +15939,7 @@
                             </a14:hiddenLine>
                           </a:ext>
                           <a:ext uri="{AF507438-7753-43e0-B8FC-AC1667EBCBE1}">
-                            <a14:hiddenEffects xmlns:a14="http://schemas.microsoft.com/office/drawing/2010/main" xmlns="">
+                            <a14:hiddenEffects xmlns="" xmlns:a14="http://schemas.microsoft.com/office/drawing/2010/main">
                               <a:effectLst>
                                 <a:outerShdw blurRad="63500" dist="38099" dir="2700000" algn="ctr" rotWithShape="0">
                                   <a:schemeClr val="bg2">
@@ -16073,7 +16322,7 @@
 </p:sld>
 </file>
 
-<file path=ppt/slides/slide31.xml><?xml version="1.0" encoding="utf-8"?>
+<file path=ppt/slides/slide32.xml><?xml version="1.0" encoding="utf-8"?>
 <p:sld xmlns:a="http://schemas.openxmlformats.org/drawingml/2006/main" xmlns:r="http://schemas.openxmlformats.org/officeDocument/2006/relationships" xmlns:p="http://schemas.openxmlformats.org/presentationml/2006/main">
   <p:cSld>
     <p:spTree>
@@ -16167,7 +16416,7 @@
           <a:graphicData uri="http://schemas.openxmlformats.org/presentationml/2006/ole">
             <mc:AlternateContent xmlns:mc="http://schemas.openxmlformats.org/markup-compatibility/2006">
               <mc:Choice xmlns:v="urn:schemas-microsoft-com:vml" Requires="v">
-                <p:oleObj spid="_x0000_s226310" name="Bitmap Image" r:id="rId4" imgW="6628571" imgH="1467055" progId="">
+                <p:oleObj spid="_x0000_s226311" name="Bitmap Image" r:id="rId4" imgW="6628571" imgH="1467055" progId="">
                   <p:embed/>
                 </p:oleObj>
               </mc:Choice>
@@ -16210,14 +16459,14 @@
                       <a:effectLst/>
                       <a:extLst>
                         <a:ext uri="{909E8E84-426E-40dd-AFC4-6F175D3DCCD1}">
-                          <a14:hiddenFill xmlns:a14="http://schemas.microsoft.com/office/drawing/2010/main" xmlns="">
+                          <a14:hiddenFill xmlns="" xmlns:a14="http://schemas.microsoft.com/office/drawing/2010/main">
                             <a:solidFill>
                               <a:schemeClr val="accent1"/>
                             </a:solidFill>
                           </a14:hiddenFill>
                         </a:ext>
                         <a:ext uri="{91240B29-F687-4f45-9708-019B960494DF}">
-                          <a14:hiddenLine xmlns:a14="http://schemas.microsoft.com/office/drawing/2010/main" xmlns="" w="9525">
+                          <a14:hiddenLine xmlns="" xmlns:a14="http://schemas.microsoft.com/office/drawing/2010/main" w="9525">
                             <a:solidFill>
                               <a:schemeClr val="tx1"/>
                             </a:solidFill>
@@ -16227,7 +16476,7 @@
                           </a14:hiddenLine>
                         </a:ext>
                         <a:ext uri="{AF507438-7753-43e0-B8FC-AC1667EBCBE1}">
-                          <a14:hiddenEffects xmlns:a14="http://schemas.microsoft.com/office/drawing/2010/main" xmlns="">
+                          <a14:hiddenEffects xmlns="" xmlns:a14="http://schemas.microsoft.com/office/drawing/2010/main">
                             <a:effectLst>
                               <a:outerShdw blurRad="63500" dist="38099" dir="2700000" algn="ctr" rotWithShape="0">
                                 <a:schemeClr val="bg2">
@@ -16392,180 +16641,6 @@
     <p:extLst>
       <p:ext uri="{BB962C8B-B14F-4D97-AF65-F5344CB8AC3E}">
         <p14:creationId xmlns:p14="http://schemas.microsoft.com/office/powerpoint/2010/main" val="342394200"/>
-      </p:ext>
-    </p:extLst>
-  </p:cSld>
-  <p:clrMapOvr>
-    <a:masterClrMapping/>
-  </p:clrMapOvr>
-</p:sld>
-</file>
-
-<file path=ppt/slides/slide32.xml><?xml version="1.0" encoding="utf-8"?>
-<p:sld xmlns:a="http://schemas.openxmlformats.org/drawingml/2006/main" xmlns:r="http://schemas.openxmlformats.org/officeDocument/2006/relationships" xmlns:p="http://schemas.openxmlformats.org/presentationml/2006/main">
-  <p:cSld>
-    <p:spTree>
-      <p:nvGrpSpPr>
-        <p:cNvPr id="1" name=""/>
-        <p:cNvGrpSpPr/>
-        <p:nvPr/>
-      </p:nvGrpSpPr>
-      <p:grpSpPr>
-        <a:xfrm>
-          <a:off x="0" y="0"/>
-          <a:ext cx="0" cy="0"/>
-          <a:chOff x="0" y="0"/>
-          <a:chExt cx="0" cy="0"/>
-        </a:xfrm>
-      </p:grpSpPr>
-      <p:sp>
-        <p:nvSpPr>
-          <p:cNvPr id="78850" name="Rectangle 2"/>
-          <p:cNvSpPr>
-            <a:spLocks noGrp="1" noChangeArrowheads="1"/>
-          </p:cNvSpPr>
-          <p:nvPr>
-            <p:ph type="title"/>
-          </p:nvPr>
-        </p:nvSpPr>
-        <p:spPr/>
-        <p:txBody>
-          <a:bodyPr/>
-          <a:lstStyle/>
-          <a:p>
-            <a:r>
-              <a:rPr lang="es-ES_tradnl" dirty="0"/>
-              <a:t>PDDL: </a:t>
-            </a:r>
-            <a:r>
-              <a:rPr lang="es-ES_tradnl" dirty="0" err="1"/>
-              <a:t>example</a:t>
-            </a:r>
-            <a:endParaRPr lang="es-ES_tradnl" dirty="0"/>
-          </a:p>
-        </p:txBody>
-      </p:sp>
-      <p:sp>
-        <p:nvSpPr>
-          <p:cNvPr id="78851" name="Rectangle 3"/>
-          <p:cNvSpPr>
-            <a:spLocks noGrp="1" noChangeArrowheads="1"/>
-          </p:cNvSpPr>
-          <p:nvPr>
-            <p:ph type="body" idx="1"/>
-          </p:nvPr>
-        </p:nvSpPr>
-        <p:spPr>
-          <a:xfrm>
-            <a:off x="755650" y="1341438"/>
-            <a:ext cx="8083550" cy="5256212"/>
-          </a:xfrm>
-        </p:spPr>
-        <p:txBody>
-          <a:bodyPr/>
-          <a:lstStyle/>
-          <a:p>
-            <a:r>
-              <a:rPr lang="es-ES_tradnl" sz="2600" dirty="0" err="1"/>
-              <a:t>Model</a:t>
-            </a:r>
-            <a:r>
-              <a:rPr lang="es-ES_tradnl" sz="2600" dirty="0"/>
-              <a:t> in PDDL </a:t>
-            </a:r>
-            <a:r>
-              <a:rPr lang="es-ES_tradnl" sz="2600" dirty="0" err="1"/>
-              <a:t>the</a:t>
-            </a:r>
-            <a:r>
-              <a:rPr lang="es-ES_tradnl" sz="2600" dirty="0"/>
-              <a:t> </a:t>
-            </a:r>
-            <a:r>
-              <a:rPr lang="es-ES_tradnl" sz="2600" dirty="0" err="1"/>
-              <a:t>blocks</a:t>
-            </a:r>
-            <a:r>
-              <a:rPr lang="es-ES_tradnl" sz="2600" dirty="0"/>
-              <a:t> </a:t>
-            </a:r>
-            <a:r>
-              <a:rPr lang="es-ES_tradnl" sz="2600" dirty="0" err="1"/>
-              <a:t>world</a:t>
-            </a:r>
-            <a:r>
-              <a:rPr lang="es-ES_tradnl" sz="2600" dirty="0"/>
-              <a:t> </a:t>
-            </a:r>
-            <a:r>
-              <a:rPr lang="es-ES_tradnl" sz="2600" dirty="0" err="1"/>
-              <a:t>domain</a:t>
-            </a:r>
-            <a:endParaRPr lang="es-ES_tradnl" sz="2600" dirty="0"/>
-          </a:p>
-          <a:p>
-            <a:r>
-              <a:rPr lang="es-ES_tradnl" sz="2600" dirty="0" err="1"/>
-              <a:t>There</a:t>
-            </a:r>
-            <a:r>
-              <a:rPr lang="es-ES_tradnl" sz="2600" dirty="0"/>
-              <a:t> are 4 </a:t>
-            </a:r>
-            <a:r>
-              <a:rPr lang="es-ES_tradnl" sz="2600" dirty="0" err="1"/>
-              <a:t>operators</a:t>
-            </a:r>
-            <a:r>
-              <a:rPr lang="es-ES_tradnl" sz="2600" dirty="0"/>
-              <a:t>: </a:t>
-            </a:r>
-          </a:p>
-          <a:p>
-            <a:pPr lvl="1"/>
-            <a:r>
-              <a:rPr lang="es-ES_tradnl" sz="2400" dirty="0" err="1"/>
-              <a:t>Stack</a:t>
-            </a:r>
-            <a:endParaRPr lang="es-ES_tradnl" sz="2400" dirty="0"/>
-          </a:p>
-          <a:p>
-            <a:pPr lvl="1"/>
-            <a:r>
-              <a:rPr lang="es-ES_tradnl" sz="2400" dirty="0" err="1"/>
-              <a:t>Unstack</a:t>
-            </a:r>
-            <a:endParaRPr lang="es-ES_tradnl" sz="2400" dirty="0"/>
-          </a:p>
-          <a:p>
-            <a:pPr lvl="1"/>
-            <a:r>
-              <a:rPr lang="es-ES_tradnl" sz="2400" dirty="0"/>
-              <a:t>Pick-up</a:t>
-            </a:r>
-          </a:p>
-          <a:p>
-            <a:pPr lvl="1"/>
-            <a:r>
-              <a:rPr lang="es-ES_tradnl" sz="2400" dirty="0" err="1"/>
-              <a:t>Put</a:t>
-            </a:r>
-            <a:r>
-              <a:rPr lang="es-ES_tradnl" sz="2400" dirty="0"/>
-              <a:t>-</a:t>
-            </a:r>
-            <a:r>
-              <a:rPr lang="es-ES_tradnl" sz="2400" dirty="0" err="1"/>
-              <a:t>down</a:t>
-            </a:r>
-            <a:endParaRPr lang="es-ES_tradnl" sz="2400" dirty="0"/>
-          </a:p>
-        </p:txBody>
-      </p:sp>
-    </p:spTree>
-    <p:extLst>
-      <p:ext uri="{BB962C8B-B14F-4D97-AF65-F5344CB8AC3E}">
-        <p14:creationId xmlns:p14="http://schemas.microsoft.com/office/powerpoint/2010/main" val="1591390375"/>
       </p:ext>
     </p:extLst>
   </p:cSld>
@@ -16594,7 +16669,7 @@
       </p:grpSpPr>
       <p:sp>
         <p:nvSpPr>
-          <p:cNvPr id="80898" name="Rectangle 2"/>
+          <p:cNvPr id="78850" name="Rectangle 2"/>
           <p:cNvSpPr>
             <a:spLocks noGrp="1" noChangeArrowheads="1"/>
           </p:cNvSpPr>
@@ -16621,7 +16696,7 @@
       </p:sp>
       <p:sp>
         <p:nvSpPr>
-          <p:cNvPr id="80899" name="Rectangle 3"/>
+          <p:cNvPr id="78851" name="Rectangle 3"/>
           <p:cNvSpPr>
             <a:spLocks noGrp="1" noChangeArrowheads="1"/>
           </p:cNvSpPr>
@@ -16639,195 +16714,107 @@
           <a:bodyPr/>
           <a:lstStyle/>
           <a:p>
-            <a:pPr>
-              <a:lnSpc>
-                <a:spcPct val="80000"/>
-              </a:lnSpc>
-            </a:pPr>
-            <a:r>
-              <a:rPr lang="es-ES" sz="1900" dirty="0"/>
-              <a:t>UNSTACK(x; y)</a:t>
-            </a:r>
-          </a:p>
-          <a:p>
-            <a:pPr lvl="1">
-              <a:lnSpc>
-                <a:spcPct val="80000"/>
-              </a:lnSpc>
-            </a:pPr>
-            <a:r>
-              <a:rPr lang="es-ES" sz="1800" dirty="0"/>
-              <a:t>preconditions: encima(x; y),libre(x),brazo-libre</a:t>
-            </a:r>
-          </a:p>
-          <a:p>
-            <a:pPr lvl="1">
-              <a:lnSpc>
-                <a:spcPct val="80000"/>
-              </a:lnSpc>
-            </a:pPr>
-            <a:r>
-              <a:rPr lang="es-ES" sz="1800" dirty="0"/>
-              <a:t>add: sujeto(x),libre(y)</a:t>
-            </a:r>
-          </a:p>
-          <a:p>
-            <a:pPr lvl="1">
-              <a:lnSpc>
-                <a:spcPct val="80000"/>
-              </a:lnSpc>
-            </a:pPr>
-            <a:r>
-              <a:rPr lang="es-ES" sz="1800" dirty="0"/>
-              <a:t>del: encima(x; y),brazo-libre,libre(x)</a:t>
-            </a:r>
-          </a:p>
-          <a:p>
-            <a:pPr>
-              <a:lnSpc>
-                <a:spcPct val="80000"/>
-              </a:lnSpc>
-            </a:pPr>
-            <a:r>
-              <a:rPr lang="es-ES" sz="2000" dirty="0"/>
-              <a:t>STACK(x; y)</a:t>
-            </a:r>
-          </a:p>
-          <a:p>
-            <a:pPr lvl="1">
-              <a:lnSpc>
-                <a:spcPct val="80000"/>
-              </a:lnSpc>
-            </a:pPr>
-            <a:r>
-              <a:rPr lang="es-ES" sz="1900" dirty="0"/>
-              <a:t>preconditions: sujeto(x),libre(y)</a:t>
-            </a:r>
-          </a:p>
-          <a:p>
-            <a:pPr lvl="1">
-              <a:lnSpc>
-                <a:spcPct val="80000"/>
-              </a:lnSpc>
-            </a:pPr>
-            <a:r>
-              <a:rPr lang="es-ES" sz="1800" dirty="0"/>
-              <a:t>add</a:t>
-            </a:r>
-            <a:r>
-              <a:rPr lang="es-ES" sz="1900" dirty="0"/>
-              <a:t>: encima(x; y),libre(x),brazo-libre</a:t>
-            </a:r>
-          </a:p>
-          <a:p>
-            <a:pPr lvl="1">
-              <a:lnSpc>
-                <a:spcPct val="80000"/>
-              </a:lnSpc>
-            </a:pPr>
-            <a:r>
-              <a:rPr lang="es-ES" sz="1900" dirty="0"/>
-              <a:t>del: sujeto(x),libre(y)</a:t>
-            </a:r>
-          </a:p>
-          <a:p>
-            <a:pPr>
-              <a:lnSpc>
-                <a:spcPct val="80000"/>
-              </a:lnSpc>
-            </a:pPr>
-            <a:r>
-              <a:rPr lang="es-ES" sz="2000" dirty="0"/>
-              <a:t>PUT-DOWN(x)</a:t>
-            </a:r>
-          </a:p>
-          <a:p>
-            <a:pPr lvl="1">
-              <a:lnSpc>
-                <a:spcPct val="80000"/>
-              </a:lnSpc>
-            </a:pPr>
-            <a:r>
-              <a:rPr lang="es-ES" sz="1900" dirty="0"/>
-              <a:t>preconditions: sujeto(x)</a:t>
-            </a:r>
-          </a:p>
-          <a:p>
-            <a:pPr lvl="1">
-              <a:lnSpc>
-                <a:spcPct val="80000"/>
-              </a:lnSpc>
-            </a:pPr>
-            <a:r>
-              <a:rPr lang="es-ES" sz="1800" dirty="0"/>
-              <a:t>add</a:t>
-            </a:r>
-            <a:r>
-              <a:rPr lang="es-ES" sz="1900" dirty="0"/>
-              <a:t>: en-mesa(x),libre(x),brazo-libre</a:t>
-            </a:r>
-          </a:p>
-          <a:p>
-            <a:pPr lvl="1">
-              <a:lnSpc>
-                <a:spcPct val="80000"/>
-              </a:lnSpc>
-            </a:pPr>
-            <a:r>
-              <a:rPr lang="es-ES" sz="1900" dirty="0"/>
-              <a:t>del: sujeto(x)</a:t>
-            </a:r>
-          </a:p>
-          <a:p>
-            <a:pPr>
-              <a:lnSpc>
-                <a:spcPct val="80000"/>
-              </a:lnSpc>
-            </a:pPr>
-            <a:r>
-              <a:rPr lang="es-ES" sz="1900" dirty="0"/>
-              <a:t>PICK-UP(x)</a:t>
-            </a:r>
-          </a:p>
-          <a:p>
-            <a:pPr lvl="1">
-              <a:lnSpc>
-                <a:spcPct val="80000"/>
-              </a:lnSpc>
-            </a:pPr>
-            <a:r>
-              <a:rPr lang="es-ES" sz="1800" dirty="0"/>
-              <a:t>preconditions: en-mesa(x),libre(x),brazo-libre</a:t>
-            </a:r>
-          </a:p>
-          <a:p>
-            <a:pPr lvl="1">
-              <a:lnSpc>
-                <a:spcPct val="80000"/>
-              </a:lnSpc>
-            </a:pPr>
-            <a:r>
-              <a:rPr lang="es-ES" sz="1800" dirty="0"/>
-              <a:t>add: sujeto(x)</a:t>
-            </a:r>
-          </a:p>
-          <a:p>
-            <a:pPr lvl="1">
-              <a:lnSpc>
-                <a:spcPct val="80000"/>
-              </a:lnSpc>
-            </a:pPr>
-            <a:r>
-              <a:rPr lang="es-ES" sz="1800" dirty="0"/>
-              <a:t>del: en-mesa(x),brazo-libre,libre(x)</a:t>
-            </a:r>
+            <a:r>
+              <a:rPr lang="es-ES_tradnl" sz="2600" dirty="0" err="1"/>
+              <a:t>Model</a:t>
+            </a:r>
+            <a:r>
+              <a:rPr lang="es-ES_tradnl" sz="2600" dirty="0"/>
+              <a:t> in PDDL </a:t>
+            </a:r>
+            <a:r>
+              <a:rPr lang="es-ES_tradnl" sz="2600" dirty="0" err="1"/>
+              <a:t>the</a:t>
+            </a:r>
+            <a:r>
+              <a:rPr lang="es-ES_tradnl" sz="2600" dirty="0"/>
+              <a:t> </a:t>
+            </a:r>
+            <a:r>
+              <a:rPr lang="es-ES_tradnl" sz="2600" dirty="0" err="1"/>
+              <a:t>blocks</a:t>
+            </a:r>
+            <a:r>
+              <a:rPr lang="es-ES_tradnl" sz="2600" dirty="0"/>
+              <a:t> </a:t>
+            </a:r>
+            <a:r>
+              <a:rPr lang="es-ES_tradnl" sz="2600" dirty="0" err="1"/>
+              <a:t>world</a:t>
+            </a:r>
+            <a:r>
+              <a:rPr lang="es-ES_tradnl" sz="2600" dirty="0"/>
+              <a:t> </a:t>
+            </a:r>
+            <a:r>
+              <a:rPr lang="es-ES_tradnl" sz="2600" dirty="0" err="1"/>
+              <a:t>domain</a:t>
+            </a:r>
+            <a:endParaRPr lang="es-ES_tradnl" sz="2600" dirty="0"/>
+          </a:p>
+          <a:p>
+            <a:r>
+              <a:rPr lang="es-ES_tradnl" sz="2600" dirty="0" err="1"/>
+              <a:t>There</a:t>
+            </a:r>
+            <a:r>
+              <a:rPr lang="es-ES_tradnl" sz="2600" dirty="0"/>
+              <a:t> are 4 </a:t>
+            </a:r>
+            <a:r>
+              <a:rPr lang="es-ES_tradnl" sz="2600" dirty="0" err="1"/>
+              <a:t>operators</a:t>
+            </a:r>
+            <a:r>
+              <a:rPr lang="es-ES_tradnl" sz="2600" dirty="0"/>
+              <a:t>: </a:t>
+            </a:r>
+          </a:p>
+          <a:p>
+            <a:pPr lvl="1"/>
+            <a:r>
+              <a:rPr lang="es-ES_tradnl" sz="2400" dirty="0" err="1"/>
+              <a:t>Stack</a:t>
+            </a:r>
+            <a:endParaRPr lang="es-ES_tradnl" sz="2400" dirty="0"/>
+          </a:p>
+          <a:p>
+            <a:pPr lvl="1"/>
+            <a:r>
+              <a:rPr lang="es-ES_tradnl" sz="2400" dirty="0" err="1"/>
+              <a:t>Unstack</a:t>
+            </a:r>
+            <a:endParaRPr lang="es-ES_tradnl" sz="2400" dirty="0"/>
+          </a:p>
+          <a:p>
+            <a:pPr lvl="1"/>
+            <a:r>
+              <a:rPr lang="es-ES_tradnl" sz="2400" dirty="0"/>
+              <a:t>Pick-up</a:t>
+            </a:r>
+          </a:p>
+          <a:p>
+            <a:pPr lvl="1"/>
+            <a:r>
+              <a:rPr lang="es-ES_tradnl" sz="2400" dirty="0" err="1"/>
+              <a:t>Put</a:t>
+            </a:r>
+            <a:r>
+              <a:rPr lang="es-ES_tradnl" sz="2400" dirty="0"/>
+              <a:t>-</a:t>
+            </a:r>
+            <a:r>
+              <a:rPr lang="es-ES_tradnl" sz="2400" dirty="0" err="1"/>
+              <a:t>down</a:t>
+            </a:r>
+            <a:endParaRPr lang="es-ES_tradnl" sz="2400" dirty="0"/>
           </a:p>
         </p:txBody>
       </p:sp>
     </p:spTree>
     <p:extLst>
       <p:ext uri="{BB962C8B-B14F-4D97-AF65-F5344CB8AC3E}">
-        <p14:creationId xmlns:p14="http://schemas.microsoft.com/office/powerpoint/2010/main" val="2147105432"/>
+        <p14:creationId xmlns:p14="http://schemas.microsoft.com/office/powerpoint/2010/main" val="1591390375"/>
       </p:ext>
     </p:extLst>
   </p:cSld>
@@ -16856,6 +16843,268 @@
       </p:grpSpPr>
       <p:sp>
         <p:nvSpPr>
+          <p:cNvPr id="80898" name="Rectangle 2"/>
+          <p:cNvSpPr>
+            <a:spLocks noGrp="1" noChangeArrowheads="1"/>
+          </p:cNvSpPr>
+          <p:nvPr>
+            <p:ph type="title"/>
+          </p:nvPr>
+        </p:nvSpPr>
+        <p:spPr/>
+        <p:txBody>
+          <a:bodyPr/>
+          <a:lstStyle/>
+          <a:p>
+            <a:r>
+              <a:rPr lang="es-ES_tradnl" dirty="0"/>
+              <a:t>PDDL: </a:t>
+            </a:r>
+            <a:r>
+              <a:rPr lang="es-ES_tradnl" dirty="0" err="1"/>
+              <a:t>example</a:t>
+            </a:r>
+            <a:endParaRPr lang="es-ES_tradnl" dirty="0"/>
+          </a:p>
+        </p:txBody>
+      </p:sp>
+      <p:sp>
+        <p:nvSpPr>
+          <p:cNvPr id="80899" name="Rectangle 3"/>
+          <p:cNvSpPr>
+            <a:spLocks noGrp="1" noChangeArrowheads="1"/>
+          </p:cNvSpPr>
+          <p:nvPr>
+            <p:ph type="body" idx="1"/>
+          </p:nvPr>
+        </p:nvSpPr>
+        <p:spPr>
+          <a:xfrm>
+            <a:off x="755650" y="1341438"/>
+            <a:ext cx="8083550" cy="5256212"/>
+          </a:xfrm>
+        </p:spPr>
+        <p:txBody>
+          <a:bodyPr/>
+          <a:lstStyle/>
+          <a:p>
+            <a:pPr>
+              <a:lnSpc>
+                <a:spcPct val="80000"/>
+              </a:lnSpc>
+            </a:pPr>
+            <a:r>
+              <a:rPr lang="es-ES" sz="1900" dirty="0"/>
+              <a:t>UNSTACK(x; y)</a:t>
+            </a:r>
+          </a:p>
+          <a:p>
+            <a:pPr lvl="1">
+              <a:lnSpc>
+                <a:spcPct val="80000"/>
+              </a:lnSpc>
+            </a:pPr>
+            <a:r>
+              <a:rPr lang="es-ES" sz="1800" dirty="0"/>
+              <a:t>preconditions: encima(x; y),libre(x),brazo-libre</a:t>
+            </a:r>
+          </a:p>
+          <a:p>
+            <a:pPr lvl="1">
+              <a:lnSpc>
+                <a:spcPct val="80000"/>
+              </a:lnSpc>
+            </a:pPr>
+            <a:r>
+              <a:rPr lang="es-ES" sz="1800" dirty="0"/>
+              <a:t>add: sujeto(x),libre(y)</a:t>
+            </a:r>
+          </a:p>
+          <a:p>
+            <a:pPr lvl="1">
+              <a:lnSpc>
+                <a:spcPct val="80000"/>
+              </a:lnSpc>
+            </a:pPr>
+            <a:r>
+              <a:rPr lang="es-ES" sz="1800" dirty="0"/>
+              <a:t>del: encima(x; y),brazo-libre,libre(x)</a:t>
+            </a:r>
+          </a:p>
+          <a:p>
+            <a:pPr>
+              <a:lnSpc>
+                <a:spcPct val="80000"/>
+              </a:lnSpc>
+            </a:pPr>
+            <a:r>
+              <a:rPr lang="es-ES" sz="2000" dirty="0"/>
+              <a:t>STACK(x; y)</a:t>
+            </a:r>
+          </a:p>
+          <a:p>
+            <a:pPr lvl="1">
+              <a:lnSpc>
+                <a:spcPct val="80000"/>
+              </a:lnSpc>
+            </a:pPr>
+            <a:r>
+              <a:rPr lang="es-ES" sz="1900" dirty="0"/>
+              <a:t>preconditions: sujeto(x),libre(y)</a:t>
+            </a:r>
+          </a:p>
+          <a:p>
+            <a:pPr lvl="1">
+              <a:lnSpc>
+                <a:spcPct val="80000"/>
+              </a:lnSpc>
+            </a:pPr>
+            <a:r>
+              <a:rPr lang="es-ES" sz="1800" dirty="0"/>
+              <a:t>add</a:t>
+            </a:r>
+            <a:r>
+              <a:rPr lang="es-ES" sz="1900" dirty="0"/>
+              <a:t>: encima(x; y),libre(x),brazo-libre</a:t>
+            </a:r>
+          </a:p>
+          <a:p>
+            <a:pPr lvl="1">
+              <a:lnSpc>
+                <a:spcPct val="80000"/>
+              </a:lnSpc>
+            </a:pPr>
+            <a:r>
+              <a:rPr lang="es-ES" sz="1900" dirty="0"/>
+              <a:t>del: sujeto(x),libre(y)</a:t>
+            </a:r>
+          </a:p>
+          <a:p>
+            <a:pPr>
+              <a:lnSpc>
+                <a:spcPct val="80000"/>
+              </a:lnSpc>
+            </a:pPr>
+            <a:r>
+              <a:rPr lang="es-ES" sz="2000" dirty="0"/>
+              <a:t>PUT-DOWN(x)</a:t>
+            </a:r>
+          </a:p>
+          <a:p>
+            <a:pPr lvl="1">
+              <a:lnSpc>
+                <a:spcPct val="80000"/>
+              </a:lnSpc>
+            </a:pPr>
+            <a:r>
+              <a:rPr lang="es-ES" sz="1900" dirty="0"/>
+              <a:t>preconditions: sujeto(x)</a:t>
+            </a:r>
+          </a:p>
+          <a:p>
+            <a:pPr lvl="1">
+              <a:lnSpc>
+                <a:spcPct val="80000"/>
+              </a:lnSpc>
+            </a:pPr>
+            <a:r>
+              <a:rPr lang="es-ES" sz="1800" dirty="0"/>
+              <a:t>add</a:t>
+            </a:r>
+            <a:r>
+              <a:rPr lang="es-ES" sz="1900" dirty="0"/>
+              <a:t>: en-mesa(x),libre(x),brazo-libre</a:t>
+            </a:r>
+          </a:p>
+          <a:p>
+            <a:pPr lvl="1">
+              <a:lnSpc>
+                <a:spcPct val="80000"/>
+              </a:lnSpc>
+            </a:pPr>
+            <a:r>
+              <a:rPr lang="es-ES" sz="1900" dirty="0"/>
+              <a:t>del: sujeto(x)</a:t>
+            </a:r>
+          </a:p>
+          <a:p>
+            <a:pPr>
+              <a:lnSpc>
+                <a:spcPct val="80000"/>
+              </a:lnSpc>
+            </a:pPr>
+            <a:r>
+              <a:rPr lang="es-ES" sz="1900" dirty="0"/>
+              <a:t>PICK-UP(x)</a:t>
+            </a:r>
+          </a:p>
+          <a:p>
+            <a:pPr lvl="1">
+              <a:lnSpc>
+                <a:spcPct val="80000"/>
+              </a:lnSpc>
+            </a:pPr>
+            <a:r>
+              <a:rPr lang="es-ES" sz="1800" dirty="0"/>
+              <a:t>preconditions: en-mesa(x),libre(x),brazo-libre</a:t>
+            </a:r>
+          </a:p>
+          <a:p>
+            <a:pPr lvl="1">
+              <a:lnSpc>
+                <a:spcPct val="80000"/>
+              </a:lnSpc>
+            </a:pPr>
+            <a:r>
+              <a:rPr lang="es-ES" sz="1800" dirty="0"/>
+              <a:t>add: sujeto(x)</a:t>
+            </a:r>
+          </a:p>
+          <a:p>
+            <a:pPr lvl="1">
+              <a:lnSpc>
+                <a:spcPct val="80000"/>
+              </a:lnSpc>
+            </a:pPr>
+            <a:r>
+              <a:rPr lang="es-ES" sz="1800" dirty="0"/>
+              <a:t>del: en-mesa(x),brazo-libre,libre(x)</a:t>
+            </a:r>
+          </a:p>
+        </p:txBody>
+      </p:sp>
+    </p:spTree>
+    <p:extLst>
+      <p:ext uri="{BB962C8B-B14F-4D97-AF65-F5344CB8AC3E}">
+        <p14:creationId xmlns:p14="http://schemas.microsoft.com/office/powerpoint/2010/main" val="2147105432"/>
+      </p:ext>
+    </p:extLst>
+  </p:cSld>
+  <p:clrMapOvr>
+    <a:masterClrMapping/>
+  </p:clrMapOvr>
+</p:sld>
+</file>
+
+<file path=ppt/slides/slide35.xml><?xml version="1.0" encoding="utf-8"?>
+<p:sld xmlns:a="http://schemas.openxmlformats.org/drawingml/2006/main" xmlns:r="http://schemas.openxmlformats.org/officeDocument/2006/relationships" xmlns:p="http://schemas.openxmlformats.org/presentationml/2006/main">
+  <p:cSld>
+    <p:spTree>
+      <p:nvGrpSpPr>
+        <p:cNvPr id="1" name=""/>
+        <p:cNvGrpSpPr/>
+        <p:nvPr/>
+      </p:nvGrpSpPr>
+      <p:grpSpPr>
+        <a:xfrm>
+          <a:off x="0" y="0"/>
+          <a:ext cx="0" cy="0"/>
+          <a:chOff x="0" y="0"/>
+          <a:chExt cx="0" cy="0"/>
+        </a:xfrm>
+      </p:grpSpPr>
+      <p:sp>
+        <p:nvSpPr>
           <p:cNvPr id="82946" name="Rectangle 2"/>
           <p:cNvSpPr>
             <a:spLocks noGrp="1" noChangeArrowheads="1"/>
@@ -17094,7 +17343,7 @@
 </p:sld>
 </file>
 
-<file path=ppt/slides/slide35.xml><?xml version="1.0" encoding="utf-8"?>
+<file path=ppt/slides/slide36.xml><?xml version="1.0" encoding="utf-8"?>
 <p:sld xmlns:a="http://schemas.openxmlformats.org/drawingml/2006/main" xmlns:r="http://schemas.openxmlformats.org/officeDocument/2006/relationships" xmlns:p="http://schemas.openxmlformats.org/presentationml/2006/main">
   <p:cSld>
     <p:spTree>
@@ -17182,7 +17431,7 @@
 </p:sld>
 </file>
 
-<file path=ppt/slides/slide36.xml><?xml version="1.0" encoding="utf-8"?>
+<file path=ppt/slides/slide37.xml><?xml version="1.0" encoding="utf-8"?>
 <p:sld xmlns:a="http://schemas.openxmlformats.org/drawingml/2006/main" xmlns:r="http://schemas.openxmlformats.org/officeDocument/2006/relationships" xmlns:p="http://schemas.openxmlformats.org/presentationml/2006/main">
   <p:cSld>
     <p:spTree>
@@ -17275,7 +17524,7 @@
 </p:sld>
 </file>
 
-<file path=ppt/slides/slide37.xml><?xml version="1.0" encoding="utf-8"?>
+<file path=ppt/slides/slide38.xml><?xml version="1.0" encoding="utf-8"?>
 <p:sld xmlns:a="http://schemas.openxmlformats.org/drawingml/2006/main" xmlns:r="http://schemas.openxmlformats.org/officeDocument/2006/relationships" xmlns:p="http://schemas.openxmlformats.org/presentationml/2006/main">
   <p:cSld>
     <p:spTree>
@@ -17363,7 +17612,7 @@
 </p:sld>
 </file>
 
-<file path=ppt/slides/slide38.xml><?xml version="1.0" encoding="utf-8"?>
+<file path=ppt/slides/slide39.xml><?xml version="1.0" encoding="utf-8"?>
 <p:sld xmlns:a="http://schemas.openxmlformats.org/drawingml/2006/main" xmlns:r="http://schemas.openxmlformats.org/officeDocument/2006/relationships" xmlns:p="http://schemas.openxmlformats.org/presentationml/2006/main">
   <p:cSld>
     <p:spTree>
@@ -17621,7 +17870,106 @@
 </p:sld>
 </file>
 
-<file path=ppt/slides/slide39.xml><?xml version="1.0" encoding="utf-8"?>
+<file path=ppt/slides/slide4.xml><?xml version="1.0" encoding="utf-8"?>
+<p:sld xmlns:a="http://schemas.openxmlformats.org/drawingml/2006/main" xmlns:r="http://schemas.openxmlformats.org/officeDocument/2006/relationships" xmlns:p="http://schemas.openxmlformats.org/presentationml/2006/main">
+  <p:cSld>
+    <p:spTree>
+      <p:nvGrpSpPr>
+        <p:cNvPr id="1" name=""/>
+        <p:cNvGrpSpPr/>
+        <p:nvPr/>
+      </p:nvGrpSpPr>
+      <p:grpSpPr>
+        <a:xfrm>
+          <a:off x="0" y="0"/>
+          <a:ext cx="0" cy="0"/>
+          <a:chOff x="0" y="0"/>
+          <a:chExt cx="0" cy="0"/>
+        </a:xfrm>
+      </p:grpSpPr>
+      <p:sp>
+        <p:nvSpPr>
+          <p:cNvPr id="17410" name="Rectangle 2"/>
+          <p:cNvSpPr>
+            <a:spLocks noGrp="1" noChangeArrowheads="1"/>
+          </p:cNvSpPr>
+          <p:nvPr>
+            <p:ph type="title"/>
+          </p:nvPr>
+        </p:nvSpPr>
+        <p:spPr/>
+        <p:txBody>
+          <a:bodyPr/>
+          <a:lstStyle/>
+          <a:p>
+            <a:r>
+              <a:rPr lang="es-ES_tradnl" dirty="0" err="1"/>
+              <a:t>Overview</a:t>
+            </a:r>
+            <a:endParaRPr lang="en-US" dirty="0"/>
+          </a:p>
+        </p:txBody>
+      </p:sp>
+      <p:sp>
+        <p:nvSpPr>
+          <p:cNvPr id="17411" name="Rectangle 3"/>
+          <p:cNvSpPr>
+            <a:spLocks noGrp="1" noChangeArrowheads="1"/>
+          </p:cNvSpPr>
+          <p:nvPr>
+            <p:ph type="body" idx="1"/>
+          </p:nvPr>
+        </p:nvSpPr>
+        <p:spPr/>
+        <p:txBody>
+          <a:bodyPr/>
+          <a:lstStyle/>
+          <a:p>
+            <a:r>
+              <a:rPr lang="es-ES" dirty="0"/>
+              <a:t>Introduction</a:t>
+            </a:r>
+          </a:p>
+          <a:p>
+            <a:r>
+              <a:rPr lang="es-ES" b="1" dirty="0"/>
+              <a:t>Planning</a:t>
+            </a:r>
+          </a:p>
+          <a:p>
+            <a:r>
+              <a:rPr lang="es-ES" dirty="0"/>
+              <a:t>STRIPS</a:t>
+            </a:r>
+          </a:p>
+          <a:p>
+            <a:r>
+              <a:rPr lang="es-ES" dirty="0"/>
+              <a:t>PDDL</a:t>
+            </a:r>
+          </a:p>
+          <a:p>
+            <a:r>
+              <a:rPr lang="es-ES" dirty="0"/>
+              <a:t>Conclusions</a:t>
+            </a:r>
+          </a:p>
+        </p:txBody>
+      </p:sp>
+    </p:spTree>
+    <p:extLst>
+      <p:ext uri="{BB962C8B-B14F-4D97-AF65-F5344CB8AC3E}">
+        <p14:creationId xmlns:p14="http://schemas.microsoft.com/office/powerpoint/2010/main" val="1416761168"/>
+      </p:ext>
+    </p:extLst>
+  </p:cSld>
+  <p:clrMapOvr>
+    <a:masterClrMapping/>
+  </p:clrMapOvr>
+</p:sld>
+</file>
+
+<file path=ppt/slides/slide40.xml><?xml version="1.0" encoding="utf-8"?>
 <p:sld xmlns:a="http://schemas.openxmlformats.org/drawingml/2006/main" xmlns:r="http://schemas.openxmlformats.org/officeDocument/2006/relationships" xmlns:p="http://schemas.openxmlformats.org/presentationml/2006/main">
   <p:cSld>
     <p:spTree>
@@ -17969,7 +18317,7 @@
 </p:sld>
 </file>
 
-<file path=ppt/slides/slide4.xml><?xml version="1.0" encoding="utf-8"?>
+<file path=ppt/slides/slide41.xml><?xml version="1.0" encoding="utf-8"?>
 <p:sld xmlns:a="http://schemas.openxmlformats.org/drawingml/2006/main" xmlns:r="http://schemas.openxmlformats.org/officeDocument/2006/relationships" xmlns:p="http://schemas.openxmlformats.org/presentationml/2006/main">
   <p:cSld>
     <p:spTree>
@@ -17988,105 +18336,6 @@
       </p:grpSpPr>
       <p:sp>
         <p:nvSpPr>
-          <p:cNvPr id="17410" name="Rectangle 2"/>
-          <p:cNvSpPr>
-            <a:spLocks noGrp="1" noChangeArrowheads="1"/>
-          </p:cNvSpPr>
-          <p:nvPr>
-            <p:ph type="title"/>
-          </p:nvPr>
-        </p:nvSpPr>
-        <p:spPr/>
-        <p:txBody>
-          <a:bodyPr/>
-          <a:lstStyle/>
-          <a:p>
-            <a:r>
-              <a:rPr lang="es-ES_tradnl" dirty="0" err="1"/>
-              <a:t>Overview</a:t>
-            </a:r>
-            <a:endParaRPr lang="en-US" dirty="0"/>
-          </a:p>
-        </p:txBody>
-      </p:sp>
-      <p:sp>
-        <p:nvSpPr>
-          <p:cNvPr id="17411" name="Rectangle 3"/>
-          <p:cNvSpPr>
-            <a:spLocks noGrp="1" noChangeArrowheads="1"/>
-          </p:cNvSpPr>
-          <p:nvPr>
-            <p:ph type="body" idx="1"/>
-          </p:nvPr>
-        </p:nvSpPr>
-        <p:spPr/>
-        <p:txBody>
-          <a:bodyPr/>
-          <a:lstStyle/>
-          <a:p>
-            <a:r>
-              <a:rPr lang="es-ES" dirty="0"/>
-              <a:t>Introduction</a:t>
-            </a:r>
-          </a:p>
-          <a:p>
-            <a:r>
-              <a:rPr lang="es-ES" b="1" dirty="0"/>
-              <a:t>Planning</a:t>
-            </a:r>
-          </a:p>
-          <a:p>
-            <a:r>
-              <a:rPr lang="es-ES" dirty="0"/>
-              <a:t>STRIPS</a:t>
-            </a:r>
-          </a:p>
-          <a:p>
-            <a:r>
-              <a:rPr lang="es-ES" dirty="0"/>
-              <a:t>PDDL</a:t>
-            </a:r>
-          </a:p>
-          <a:p>
-            <a:r>
-              <a:rPr lang="es-ES" dirty="0"/>
-              <a:t>Conclusions</a:t>
-            </a:r>
-          </a:p>
-        </p:txBody>
-      </p:sp>
-    </p:spTree>
-    <p:extLst>
-      <p:ext uri="{BB962C8B-B14F-4D97-AF65-F5344CB8AC3E}">
-        <p14:creationId xmlns:p14="http://schemas.microsoft.com/office/powerpoint/2010/main" val="1416761168"/>
-      </p:ext>
-    </p:extLst>
-  </p:cSld>
-  <p:clrMapOvr>
-    <a:masterClrMapping/>
-  </p:clrMapOvr>
-</p:sld>
-</file>
-
-<file path=ppt/slides/slide40.xml><?xml version="1.0" encoding="utf-8"?>
-<p:sld xmlns:a="http://schemas.openxmlformats.org/drawingml/2006/main" xmlns:r="http://schemas.openxmlformats.org/officeDocument/2006/relationships" xmlns:p="http://schemas.openxmlformats.org/presentationml/2006/main">
-  <p:cSld>
-    <p:spTree>
-      <p:nvGrpSpPr>
-        <p:cNvPr id="1" name=""/>
-        <p:cNvGrpSpPr/>
-        <p:nvPr/>
-      </p:nvGrpSpPr>
-      <p:grpSpPr>
-        <a:xfrm>
-          <a:off x="0" y="0"/>
-          <a:ext cx="0" cy="0"/>
-          <a:chOff x="0" y="0"/>
-          <a:chExt cx="0" cy="0"/>
-        </a:xfrm>
-      </p:grpSpPr>
-      <p:sp>
-        <p:nvSpPr>
           <p:cNvPr id="97283" name="Rectangle 2"/>
           <p:cNvSpPr>
             <a:spLocks noGrp="1" noChangeArrowheads="1"/>
@@ -18161,7 +18410,7 @@
           <a:graphicData uri="http://schemas.openxmlformats.org/presentationml/2006/ole">
             <mc:AlternateContent xmlns:mc="http://schemas.openxmlformats.org/markup-compatibility/2006">
               <mc:Choice xmlns:v="urn:schemas-microsoft-com:vml" Requires="v">
-                <p:oleObj spid="_x0000_s228358" name="Bitmap Image" r:id="rId4" imgW="5390476" imgH="6373115" progId="">
+                <p:oleObj spid="_x0000_s228359" name="Bitmap Image" r:id="rId4" imgW="5390476" imgH="6373115" progId="">
                   <p:embed/>
                 </p:oleObj>
               </mc:Choice>
@@ -18204,14 +18453,14 @@
                       <a:effectLst/>
                       <a:extLst>
                         <a:ext uri="{909E8E84-426E-40dd-AFC4-6F175D3DCCD1}">
-                          <a14:hiddenFill xmlns:a14="http://schemas.microsoft.com/office/drawing/2010/main" xmlns="">
+                          <a14:hiddenFill xmlns="" xmlns:a14="http://schemas.microsoft.com/office/drawing/2010/main">
                             <a:solidFill>
                               <a:schemeClr val="accent1"/>
                             </a:solidFill>
                           </a14:hiddenFill>
                         </a:ext>
                         <a:ext uri="{91240B29-F687-4f45-9708-019B960494DF}">
-                          <a14:hiddenLine xmlns:a14="http://schemas.microsoft.com/office/drawing/2010/main" xmlns="" w="9525">
+                          <a14:hiddenLine xmlns="" xmlns:a14="http://schemas.microsoft.com/office/drawing/2010/main" w="9525">
                             <a:solidFill>
                               <a:schemeClr val="tx1"/>
                             </a:solidFill>
@@ -18221,7 +18470,7 @@
                           </a14:hiddenLine>
                         </a:ext>
                         <a:ext uri="{AF507438-7753-43e0-B8FC-AC1667EBCBE1}">
-                          <a14:hiddenEffects xmlns:a14="http://schemas.microsoft.com/office/drawing/2010/main" xmlns="">
+                          <a14:hiddenEffects xmlns="" xmlns:a14="http://schemas.microsoft.com/office/drawing/2010/main">
                             <a:effectLst>
                               <a:outerShdw blurRad="63500" dist="38099" dir="2700000" algn="ctr" rotWithShape="0">
                                 <a:schemeClr val="bg2">
@@ -18253,7 +18502,7 @@
 </p:sld>
 </file>
 
-<file path=ppt/slides/slide41.xml><?xml version="1.0" encoding="utf-8"?>
+<file path=ppt/slides/slide42.xml><?xml version="1.0" encoding="utf-8"?>
 <p:sld xmlns:a="http://schemas.openxmlformats.org/drawingml/2006/main" xmlns:r="http://schemas.openxmlformats.org/officeDocument/2006/relationships" xmlns:p="http://schemas.openxmlformats.org/presentationml/2006/main">
   <p:cSld>
     <p:spTree>
@@ -18352,7 +18601,7 @@
 </p:sld>
 </file>
 
-<file path=ppt/slides/slide42.xml><?xml version="1.0" encoding="utf-8"?>
+<file path=ppt/slides/slide43.xml><?xml version="1.0" encoding="utf-8"?>
 <p:sld xmlns:a="http://schemas.openxmlformats.org/drawingml/2006/main" xmlns:r="http://schemas.openxmlformats.org/officeDocument/2006/relationships" xmlns:p="http://schemas.openxmlformats.org/presentationml/2006/main">
   <p:cSld>
     <p:spTree>
